--- a/01-git/Git.pptx
+++ b/01-git/Git.pptx
@@ -5,7 +5,7 @@
     <p:sldMasterId id="2147483780" r:id="rId1"/>
   </p:sldMasterIdLst>
   <p:notesMasterIdLst>
-    <p:notesMasterId r:id="rId21"/>
+    <p:notesMasterId r:id="rId23"/>
   </p:notesMasterIdLst>
   <p:sldIdLst>
     <p:sldId id="256" r:id="rId2"/>
@@ -21,12 +21,14 @@
     <p:sldId id="322" r:id="rId12"/>
     <p:sldId id="319" r:id="rId13"/>
     <p:sldId id="306" r:id="rId14"/>
-    <p:sldId id="310" r:id="rId15"/>
-    <p:sldId id="309" r:id="rId16"/>
-    <p:sldId id="313" r:id="rId17"/>
-    <p:sldId id="311" r:id="rId18"/>
-    <p:sldId id="312" r:id="rId19"/>
-    <p:sldId id="321" r:id="rId20"/>
+    <p:sldId id="324" r:id="rId15"/>
+    <p:sldId id="325" r:id="rId16"/>
+    <p:sldId id="310" r:id="rId17"/>
+    <p:sldId id="309" r:id="rId18"/>
+    <p:sldId id="313" r:id="rId19"/>
+    <p:sldId id="311" r:id="rId20"/>
+    <p:sldId id="312" r:id="rId21"/>
+    <p:sldId id="321" r:id="rId22"/>
   </p:sldIdLst>
   <p:sldSz cx="9144000" cy="6858000" type="screen4x3"/>
   <p:notesSz cx="6858000" cy="9144000"/>
@@ -210,7 +212,7 @@
           <a:p>
             <a:fld id="{16E5F246-0B7D-44DF-8C1B-EDFCA5DA626A}" type="datetimeFigureOut">
               <a:rPr lang="ru-RU" smtClean="0"/>
-              <a:t>18.11.2013</a:t>
+              <a:t>21.11.2013</a:t>
             </a:fld>
             <a:endParaRPr lang="ru-RU"/>
           </a:p>
@@ -627,7 +629,7 @@
           <a:p>
             <a:fld id="{3BAECB10-9972-4830-A584-02C41DAFD45B}" type="slidenum">
               <a:rPr lang="ru-RU" smtClean="0"/>
-              <a:t>14</a:t>
+              <a:t>16</a:t>
             </a:fld>
             <a:endParaRPr lang="ru-RU"/>
           </a:p>
@@ -827,7 +829,7 @@
           <a:p>
             <a:fld id="{ED7A5A9E-355E-4F5A-82F5-195339D13266}" type="datetimeFigureOut">
               <a:rPr lang="ru-RU" smtClean="0"/>
-              <a:t>18.11.2013</a:t>
+              <a:t>21.11.2013</a:t>
             </a:fld>
             <a:endParaRPr lang="ru-RU"/>
           </a:p>
@@ -997,7 +999,7 @@
           <a:p>
             <a:fld id="{ED7A5A9E-355E-4F5A-82F5-195339D13266}" type="datetimeFigureOut">
               <a:rPr lang="ru-RU" smtClean="0"/>
-              <a:t>18.11.2013</a:t>
+              <a:t>21.11.2013</a:t>
             </a:fld>
             <a:endParaRPr lang="ru-RU"/>
           </a:p>
@@ -1177,7 +1179,7 @@
           <a:p>
             <a:fld id="{ED7A5A9E-355E-4F5A-82F5-195339D13266}" type="datetimeFigureOut">
               <a:rPr lang="ru-RU" smtClean="0"/>
-              <a:t>18.11.2013</a:t>
+              <a:t>21.11.2013</a:t>
             </a:fld>
             <a:endParaRPr lang="ru-RU"/>
           </a:p>
@@ -1347,7 +1349,7 @@
           <a:p>
             <a:fld id="{ED7A5A9E-355E-4F5A-82F5-195339D13266}" type="datetimeFigureOut">
               <a:rPr lang="ru-RU" smtClean="0"/>
-              <a:t>18.11.2013</a:t>
+              <a:t>21.11.2013</a:t>
             </a:fld>
             <a:endParaRPr lang="ru-RU"/>
           </a:p>
@@ -1593,7 +1595,7 @@
           <a:p>
             <a:fld id="{ED7A5A9E-355E-4F5A-82F5-195339D13266}" type="datetimeFigureOut">
               <a:rPr lang="ru-RU" smtClean="0"/>
-              <a:t>18.11.2013</a:t>
+              <a:t>21.11.2013</a:t>
             </a:fld>
             <a:endParaRPr lang="ru-RU"/>
           </a:p>
@@ -1881,7 +1883,7 @@
           <a:p>
             <a:fld id="{ED7A5A9E-355E-4F5A-82F5-195339D13266}" type="datetimeFigureOut">
               <a:rPr lang="ru-RU" smtClean="0"/>
-              <a:t>18.11.2013</a:t>
+              <a:t>21.11.2013</a:t>
             </a:fld>
             <a:endParaRPr lang="ru-RU"/>
           </a:p>
@@ -2303,7 +2305,7 @@
           <a:p>
             <a:fld id="{ED7A5A9E-355E-4F5A-82F5-195339D13266}" type="datetimeFigureOut">
               <a:rPr lang="ru-RU" smtClean="0"/>
-              <a:t>18.11.2013</a:t>
+              <a:t>21.11.2013</a:t>
             </a:fld>
             <a:endParaRPr lang="ru-RU"/>
           </a:p>
@@ -2421,7 +2423,7 @@
           <a:p>
             <a:fld id="{ED7A5A9E-355E-4F5A-82F5-195339D13266}" type="datetimeFigureOut">
               <a:rPr lang="ru-RU" smtClean="0"/>
-              <a:t>18.11.2013</a:t>
+              <a:t>21.11.2013</a:t>
             </a:fld>
             <a:endParaRPr lang="ru-RU"/>
           </a:p>
@@ -2516,7 +2518,7 @@
           <a:p>
             <a:fld id="{ED7A5A9E-355E-4F5A-82F5-195339D13266}" type="datetimeFigureOut">
               <a:rPr lang="ru-RU" smtClean="0"/>
-              <a:t>18.11.2013</a:t>
+              <a:t>21.11.2013</a:t>
             </a:fld>
             <a:endParaRPr lang="ru-RU"/>
           </a:p>
@@ -2793,7 +2795,7 @@
           <a:p>
             <a:fld id="{ED7A5A9E-355E-4F5A-82F5-195339D13266}" type="datetimeFigureOut">
               <a:rPr lang="ru-RU" smtClean="0"/>
-              <a:t>18.11.2013</a:t>
+              <a:t>21.11.2013</a:t>
             </a:fld>
             <a:endParaRPr lang="ru-RU"/>
           </a:p>
@@ -3046,7 +3048,7 @@
           <a:p>
             <a:fld id="{ED7A5A9E-355E-4F5A-82F5-195339D13266}" type="datetimeFigureOut">
               <a:rPr lang="ru-RU" smtClean="0"/>
-              <a:t>18.11.2013</a:t>
+              <a:t>21.11.2013</a:t>
             </a:fld>
             <a:endParaRPr lang="ru-RU"/>
           </a:p>
@@ -3259,7 +3261,7 @@
           <a:p>
             <a:fld id="{ED7A5A9E-355E-4F5A-82F5-195339D13266}" type="datetimeFigureOut">
               <a:rPr lang="ru-RU" smtClean="0"/>
-              <a:t>18.11.2013</a:t>
+              <a:t>21.11.2013</a:t>
             </a:fld>
             <a:endParaRPr lang="ru-RU"/>
           </a:p>
@@ -5081,6 +5083,564 @@
           <a:p>
             <a:r>
               <a:rPr lang="en-US" dirty="0" smtClean="0"/>
+              <a:t>Branches</a:t>
+            </a:r>
+            <a:endParaRPr lang="ru-RU" dirty="0"/>
+          </a:p>
+        </p:txBody>
+      </p:sp>
+      <p:sp>
+        <p:nvSpPr>
+          <p:cNvPr id="5" name="Объект 2"/>
+          <p:cNvSpPr>
+            <a:spLocks noGrp="1"/>
+          </p:cNvSpPr>
+          <p:nvPr>
+            <p:ph idx="1"/>
+          </p:nvPr>
+        </p:nvSpPr>
+        <p:spPr>
+          <a:xfrm>
+            <a:off x="457200" y="1600200"/>
+            <a:ext cx="8229600" cy="4525963"/>
+          </a:xfrm>
+        </p:spPr>
+        <p:txBody>
+          <a:bodyPr/>
+          <a:lstStyle/>
+          <a:p>
+            <a:pPr marL="0" indent="0">
+              <a:buNone/>
+            </a:pPr>
+            <a:r>
+              <a:rPr lang="en-US" b="1" dirty="0" smtClean="0">
+                <a:solidFill>
+                  <a:schemeClr val="accent2">
+                    <a:lumMod val="50000"/>
+                  </a:schemeClr>
+                </a:solidFill>
+              </a:rPr>
+              <a:t>$ </a:t>
+            </a:r>
+            <a:r>
+              <a:rPr lang="en-US" b="1" dirty="0" err="1" smtClean="0">
+                <a:solidFill>
+                  <a:schemeClr val="accent2">
+                    <a:lumMod val="50000"/>
+                  </a:schemeClr>
+                </a:solidFill>
+              </a:rPr>
+              <a:t>git</a:t>
+            </a:r>
+            <a:r>
+              <a:rPr lang="en-US" b="1" dirty="0" smtClean="0">
+                <a:solidFill>
+                  <a:schemeClr val="accent2">
+                    <a:lumMod val="50000"/>
+                  </a:schemeClr>
+                </a:solidFill>
+              </a:rPr>
+              <a:t> branch</a:t>
+            </a:r>
+          </a:p>
+          <a:p>
+            <a:pPr marL="0" indent="0">
+              <a:buNone/>
+            </a:pPr>
+            <a:r>
+              <a:rPr lang="en-US" b="1" dirty="0" smtClean="0">
+                <a:solidFill>
+                  <a:schemeClr val="accent2">
+                    <a:lumMod val="50000"/>
+                  </a:schemeClr>
+                </a:solidFill>
+              </a:rPr>
+              <a:t>$ </a:t>
+            </a:r>
+            <a:r>
+              <a:rPr lang="en-US" b="1" dirty="0" err="1">
+                <a:solidFill>
+                  <a:schemeClr val="accent2">
+                    <a:lumMod val="50000"/>
+                  </a:schemeClr>
+                </a:solidFill>
+              </a:rPr>
+              <a:t>git</a:t>
+            </a:r>
+            <a:r>
+              <a:rPr lang="en-US" b="1" dirty="0">
+                <a:solidFill>
+                  <a:schemeClr val="accent2">
+                    <a:lumMod val="50000"/>
+                  </a:schemeClr>
+                </a:solidFill>
+              </a:rPr>
+              <a:t> </a:t>
+            </a:r>
+            <a:r>
+              <a:rPr lang="en-US" b="1" dirty="0" smtClean="0">
+                <a:solidFill>
+                  <a:schemeClr val="accent2">
+                    <a:lumMod val="50000"/>
+                  </a:schemeClr>
+                </a:solidFill>
+              </a:rPr>
+              <a:t>branch &lt;name&gt;</a:t>
+            </a:r>
+          </a:p>
+          <a:p>
+            <a:pPr marL="0" indent="0">
+              <a:buNone/>
+            </a:pPr>
+            <a:endParaRPr lang="en-US" b="1" dirty="0" smtClean="0">
+              <a:solidFill>
+                <a:schemeClr val="accent2">
+                  <a:lumMod val="50000"/>
+                </a:schemeClr>
+              </a:solidFill>
+            </a:endParaRPr>
+          </a:p>
+          <a:p>
+            <a:pPr marL="0" indent="0">
+              <a:buNone/>
+            </a:pPr>
+            <a:r>
+              <a:rPr lang="en-US" b="1" dirty="0" smtClean="0">
+                <a:solidFill>
+                  <a:schemeClr val="accent2">
+                    <a:lumMod val="50000"/>
+                  </a:schemeClr>
+                </a:solidFill>
+              </a:rPr>
+              <a:t>HEAD</a:t>
+            </a:r>
+          </a:p>
+          <a:p>
+            <a:pPr marL="0" indent="0">
+              <a:buNone/>
+            </a:pPr>
+            <a:r>
+              <a:rPr lang="en-US" b="1" dirty="0" smtClean="0">
+                <a:solidFill>
+                  <a:schemeClr val="accent2">
+                    <a:lumMod val="50000"/>
+                  </a:schemeClr>
+                </a:solidFill>
+              </a:rPr>
+              <a:t>master</a:t>
+            </a:r>
+            <a:endParaRPr lang="en-US" b="1" dirty="0">
+              <a:solidFill>
+                <a:schemeClr val="accent2">
+                  <a:lumMod val="50000"/>
+                </a:schemeClr>
+              </a:solidFill>
+            </a:endParaRPr>
+          </a:p>
+        </p:txBody>
+      </p:sp>
+    </p:spTree>
+    <p:extLst>
+      <p:ext uri="{BB962C8B-B14F-4D97-AF65-F5344CB8AC3E}">
+        <p14:creationId xmlns:p14="http://schemas.microsoft.com/office/powerpoint/2010/main" val="2208863832"/>
+      </p:ext>
+    </p:extLst>
+  </p:cSld>
+  <p:clrMapOvr>
+    <a:masterClrMapping/>
+  </p:clrMapOvr>
+  <p:timing>
+    <p:tnLst>
+      <p:par>
+        <p:cTn id="1" dur="indefinite" restart="never" nodeType="tmRoot">
+          <p:childTnLst>
+            <p:seq concurrent="1" nextAc="seek">
+              <p:cTn id="2" dur="indefinite" nodeType="mainSeq">
+                <p:childTnLst>
+                  <p:par>
+                    <p:cTn id="3" fill="hold">
+                      <p:stCondLst>
+                        <p:cond delay="indefinite"/>
+                      </p:stCondLst>
+                      <p:childTnLst>
+                        <p:par>
+                          <p:cTn id="4" fill="hold">
+                            <p:stCondLst>
+                              <p:cond delay="0"/>
+                            </p:stCondLst>
+                            <p:childTnLst>
+                              <p:par>
+                                <p:cTn id="5" presetID="1" presetClass="entr" presetSubtype="0" fill="hold" nodeType="clickEffect">
+                                  <p:stCondLst>
+                                    <p:cond delay="0"/>
+                                  </p:stCondLst>
+                                  <p:childTnLst>
+                                    <p:set>
+                                      <p:cBhvr>
+                                        <p:cTn id="6" dur="1" fill="hold">
+                                          <p:stCondLst>
+                                            <p:cond delay="0"/>
+                                          </p:stCondLst>
+                                        </p:cTn>
+                                        <p:tgtEl>
+                                          <p:spTgt spid="5">
+                                            <p:txEl>
+                                              <p:pRg st="3" end="3"/>
+                                            </p:txEl>
+                                          </p:spTgt>
+                                        </p:tgtEl>
+                                        <p:attrNameLst>
+                                          <p:attrName>style.visibility</p:attrName>
+                                        </p:attrNameLst>
+                                      </p:cBhvr>
+                                      <p:to>
+                                        <p:strVal val="visible"/>
+                                      </p:to>
+                                    </p:set>
+                                  </p:childTnLst>
+                                </p:cTn>
+                              </p:par>
+                              <p:par>
+                                <p:cTn id="7" presetID="1" presetClass="entr" presetSubtype="0" fill="hold" nodeType="withEffect">
+                                  <p:stCondLst>
+                                    <p:cond delay="0"/>
+                                  </p:stCondLst>
+                                  <p:childTnLst>
+                                    <p:set>
+                                      <p:cBhvr>
+                                        <p:cTn id="8" dur="1" fill="hold">
+                                          <p:stCondLst>
+                                            <p:cond delay="0"/>
+                                          </p:stCondLst>
+                                        </p:cTn>
+                                        <p:tgtEl>
+                                          <p:spTgt spid="5">
+                                            <p:txEl>
+                                              <p:pRg st="4" end="4"/>
+                                            </p:txEl>
+                                          </p:spTgt>
+                                        </p:tgtEl>
+                                        <p:attrNameLst>
+                                          <p:attrName>style.visibility</p:attrName>
+                                        </p:attrNameLst>
+                                      </p:cBhvr>
+                                      <p:to>
+                                        <p:strVal val="visible"/>
+                                      </p:to>
+                                    </p:set>
+                                  </p:childTnLst>
+                                </p:cTn>
+                              </p:par>
+                            </p:childTnLst>
+                          </p:cTn>
+                        </p:par>
+                      </p:childTnLst>
+                    </p:cTn>
+                  </p:par>
+                </p:childTnLst>
+              </p:cTn>
+              <p:prevCondLst>
+                <p:cond evt="onPrev" delay="0">
+                  <p:tgtEl>
+                    <p:sldTgt/>
+                  </p:tgtEl>
+                </p:cond>
+              </p:prevCondLst>
+              <p:nextCondLst>
+                <p:cond evt="onNext" delay="0">
+                  <p:tgtEl>
+                    <p:sldTgt/>
+                  </p:tgtEl>
+                </p:cond>
+              </p:nextCondLst>
+            </p:seq>
+          </p:childTnLst>
+        </p:cTn>
+      </p:par>
+    </p:tnLst>
+  </p:timing>
+</p:sld>
+</file>
+
+<file path=ppt/slides/slide15.xml><?xml version="1.0" encoding="utf-8"?>
+<p:sld xmlns:a="http://schemas.openxmlformats.org/drawingml/2006/main" xmlns:r="http://schemas.openxmlformats.org/officeDocument/2006/relationships" xmlns:p="http://schemas.openxmlformats.org/presentationml/2006/main">
+  <p:cSld>
+    <p:spTree>
+      <p:nvGrpSpPr>
+        <p:cNvPr id="1" name=""/>
+        <p:cNvGrpSpPr/>
+        <p:nvPr/>
+      </p:nvGrpSpPr>
+      <p:grpSpPr>
+        <a:xfrm>
+          <a:off x="0" y="0"/>
+          <a:ext cx="0" cy="0"/>
+          <a:chOff x="0" y="0"/>
+          <a:chExt cx="0" cy="0"/>
+        </a:xfrm>
+      </p:grpSpPr>
+      <p:sp>
+        <p:nvSpPr>
+          <p:cNvPr id="2" name="Заголовок 1"/>
+          <p:cNvSpPr>
+            <a:spLocks noGrp="1"/>
+          </p:cNvSpPr>
+          <p:nvPr>
+            <p:ph type="title"/>
+          </p:nvPr>
+        </p:nvSpPr>
+        <p:spPr/>
+        <p:txBody>
+          <a:bodyPr/>
+          <a:lstStyle/>
+          <a:p>
+            <a:r>
+              <a:rPr lang="en-US" dirty="0" smtClean="0"/>
+              <a:t>Immutable history</a:t>
+            </a:r>
+            <a:endParaRPr lang="ru-RU" dirty="0"/>
+          </a:p>
+        </p:txBody>
+      </p:sp>
+      <p:sp>
+        <p:nvSpPr>
+          <p:cNvPr id="5" name="Объект 2"/>
+          <p:cNvSpPr>
+            <a:spLocks noGrp="1"/>
+          </p:cNvSpPr>
+          <p:nvPr>
+            <p:ph idx="1"/>
+          </p:nvPr>
+        </p:nvSpPr>
+        <p:spPr>
+          <a:xfrm>
+            <a:off x="457200" y="1600200"/>
+            <a:ext cx="8229600" cy="4525963"/>
+          </a:xfrm>
+        </p:spPr>
+        <p:txBody>
+          <a:bodyPr/>
+          <a:lstStyle/>
+          <a:p>
+            <a:pPr marL="0" indent="0">
+              <a:buNone/>
+            </a:pPr>
+            <a:r>
+              <a:rPr lang="en-US" b="1" dirty="0" smtClean="0">
+                <a:solidFill>
+                  <a:schemeClr val="accent2">
+                    <a:lumMod val="50000"/>
+                  </a:schemeClr>
+                </a:solidFill>
+              </a:rPr>
+              <a:t>$ </a:t>
+            </a:r>
+            <a:r>
+              <a:rPr lang="en-US" b="1" dirty="0" err="1">
+                <a:solidFill>
+                  <a:schemeClr val="accent2">
+                    <a:lumMod val="50000"/>
+                  </a:schemeClr>
+                </a:solidFill>
+              </a:rPr>
+              <a:t>git</a:t>
+            </a:r>
+            <a:r>
+              <a:rPr lang="en-US" b="1" dirty="0">
+                <a:solidFill>
+                  <a:schemeClr val="accent2">
+                    <a:lumMod val="50000"/>
+                  </a:schemeClr>
+                </a:solidFill>
+              </a:rPr>
+              <a:t> </a:t>
+            </a:r>
+            <a:r>
+              <a:rPr lang="en-US" b="1" dirty="0" smtClean="0">
+                <a:solidFill>
+                  <a:schemeClr val="accent2">
+                    <a:lumMod val="50000"/>
+                  </a:schemeClr>
+                </a:solidFill>
+              </a:rPr>
+              <a:t>reset &lt;sha1&gt;</a:t>
+            </a:r>
+          </a:p>
+          <a:p>
+            <a:pPr marL="0" indent="0">
+              <a:buNone/>
+            </a:pPr>
+            <a:r>
+              <a:rPr lang="en-US" b="1" dirty="0" smtClean="0">
+                <a:solidFill>
+                  <a:schemeClr val="accent2">
+                    <a:lumMod val="50000"/>
+                  </a:schemeClr>
+                </a:solidFill>
+              </a:rPr>
+              <a:t>$ </a:t>
+            </a:r>
+            <a:r>
+              <a:rPr lang="en-US" b="1" dirty="0" err="1" smtClean="0">
+                <a:solidFill>
+                  <a:schemeClr val="accent2">
+                    <a:lumMod val="50000"/>
+                  </a:schemeClr>
+                </a:solidFill>
+              </a:rPr>
+              <a:t>git</a:t>
+            </a:r>
+            <a:r>
+              <a:rPr lang="en-US" b="1" dirty="0" smtClean="0">
+                <a:solidFill>
+                  <a:schemeClr val="accent2">
+                    <a:lumMod val="50000"/>
+                  </a:schemeClr>
+                </a:solidFill>
+              </a:rPr>
+              <a:t> reset HEAD^^^</a:t>
+            </a:r>
+          </a:p>
+          <a:p>
+            <a:pPr marL="0" indent="0">
+              <a:buNone/>
+            </a:pPr>
+            <a:r>
+              <a:rPr lang="en-US" b="1" dirty="0" smtClean="0">
+                <a:solidFill>
+                  <a:schemeClr val="accent2">
+                    <a:lumMod val="50000"/>
+                  </a:schemeClr>
+                </a:solidFill>
+              </a:rPr>
+              <a:t>$ </a:t>
+            </a:r>
+            <a:r>
+              <a:rPr lang="en-US" b="1" dirty="0" err="1">
+                <a:solidFill>
+                  <a:schemeClr val="accent2">
+                    <a:lumMod val="50000"/>
+                  </a:schemeClr>
+                </a:solidFill>
+              </a:rPr>
+              <a:t>git</a:t>
+            </a:r>
+            <a:r>
+              <a:rPr lang="en-US" b="1" dirty="0">
+                <a:solidFill>
+                  <a:schemeClr val="accent2">
+                    <a:lumMod val="50000"/>
+                  </a:schemeClr>
+                </a:solidFill>
+              </a:rPr>
+              <a:t> reset </a:t>
+            </a:r>
+            <a:r>
+              <a:rPr lang="en-US" b="1" dirty="0" smtClean="0">
+                <a:solidFill>
+                  <a:schemeClr val="accent2">
+                    <a:lumMod val="50000"/>
+                  </a:schemeClr>
+                </a:solidFill>
+              </a:rPr>
+              <a:t>&lt;</a:t>
+            </a:r>
+            <a:r>
+              <a:rPr lang="en-US" b="1" dirty="0" err="1" smtClean="0">
+                <a:solidFill>
+                  <a:schemeClr val="accent2">
+                    <a:lumMod val="50000"/>
+                  </a:schemeClr>
+                </a:solidFill>
+              </a:rPr>
+              <a:t>branchName</a:t>
+            </a:r>
+            <a:r>
+              <a:rPr lang="en-US" b="1" dirty="0" smtClean="0">
+                <a:solidFill>
+                  <a:schemeClr val="accent2">
+                    <a:lumMod val="50000"/>
+                  </a:schemeClr>
+                </a:solidFill>
+              </a:rPr>
+              <a:t>&gt;</a:t>
+            </a:r>
+            <a:endParaRPr lang="en-US" b="1" dirty="0">
+              <a:solidFill>
+                <a:schemeClr val="accent2">
+                  <a:lumMod val="50000"/>
+                </a:schemeClr>
+              </a:solidFill>
+            </a:endParaRPr>
+          </a:p>
+          <a:p>
+            <a:pPr marL="0" indent="0">
+              <a:buNone/>
+            </a:pPr>
+            <a:endParaRPr lang="en-US" b="1" dirty="0">
+              <a:solidFill>
+                <a:schemeClr val="accent2">
+                  <a:lumMod val="50000"/>
+                </a:schemeClr>
+              </a:solidFill>
+            </a:endParaRPr>
+          </a:p>
+        </p:txBody>
+      </p:sp>
+    </p:spTree>
+    <p:extLst>
+      <p:ext uri="{BB962C8B-B14F-4D97-AF65-F5344CB8AC3E}">
+        <p14:creationId xmlns:p14="http://schemas.microsoft.com/office/powerpoint/2010/main" val="1486848467"/>
+      </p:ext>
+    </p:extLst>
+  </p:cSld>
+  <p:clrMapOvr>
+    <a:masterClrMapping/>
+  </p:clrMapOvr>
+  <p:timing>
+    <p:tnLst>
+      <p:par>
+        <p:cTn id="1" dur="indefinite" restart="never" nodeType="tmRoot"/>
+      </p:par>
+    </p:tnLst>
+  </p:timing>
+</p:sld>
+</file>
+
+<file path=ppt/slides/slide16.xml><?xml version="1.0" encoding="utf-8"?>
+<p:sld xmlns:a="http://schemas.openxmlformats.org/drawingml/2006/main" xmlns:r="http://schemas.openxmlformats.org/officeDocument/2006/relationships" xmlns:p="http://schemas.openxmlformats.org/presentationml/2006/main">
+  <p:cSld>
+    <p:spTree>
+      <p:nvGrpSpPr>
+        <p:cNvPr id="1" name=""/>
+        <p:cNvGrpSpPr/>
+        <p:nvPr/>
+      </p:nvGrpSpPr>
+      <p:grpSpPr>
+        <a:xfrm>
+          <a:off x="0" y="0"/>
+          <a:ext cx="0" cy="0"/>
+          <a:chOff x="0" y="0"/>
+          <a:chExt cx="0" cy="0"/>
+        </a:xfrm>
+      </p:grpSpPr>
+      <p:sp>
+        <p:nvSpPr>
+          <p:cNvPr id="2" name="Заголовок 1"/>
+          <p:cNvSpPr>
+            <a:spLocks noGrp="1"/>
+          </p:cNvSpPr>
+          <p:nvPr>
+            <p:ph type="title"/>
+          </p:nvPr>
+        </p:nvSpPr>
+        <p:spPr/>
+        <p:txBody>
+          <a:bodyPr/>
+          <a:lstStyle/>
+          <a:p>
+            <a:r>
+              <a:rPr lang="en-US" dirty="0" smtClean="0"/>
               <a:t>Merge &amp; Rebase</a:t>
             </a:r>
             <a:endParaRPr lang="ru-RU" dirty="0"/>
@@ -5473,7 +6033,7 @@
 </p:sld>
 </file>
 
-<file path=ppt/slides/slide15.xml><?xml version="1.0" encoding="utf-8"?>
+<file path=ppt/slides/slide17.xml><?xml version="1.0" encoding="utf-8"?>
 <p:sld xmlns:a="http://schemas.openxmlformats.org/drawingml/2006/main" xmlns:r="http://schemas.openxmlformats.org/officeDocument/2006/relationships" xmlns:p="http://schemas.openxmlformats.org/presentationml/2006/main">
   <p:cSld>
     <p:spTree>
@@ -5539,7 +6099,7 @@
                   </a:schemeClr>
                 </a:solidFill>
               </a:rPr>
-              <a:t>$</a:t>
+              <a:t>$ </a:t>
             </a:r>
             <a:r>
               <a:rPr lang="en-US" b="1" dirty="0" err="1" smtClean="0">
@@ -5559,7 +6119,17 @@
                   </a:schemeClr>
                 </a:solidFill>
               </a:rPr>
-              <a:t> remote --verbose</a:t>
+              <a:t> </a:t>
+            </a:r>
+            <a:r>
+              <a:rPr lang="en-US" b="1" dirty="0" smtClean="0">
+                <a:solidFill>
+                  <a:schemeClr val="accent2">
+                    <a:lumMod val="50000"/>
+                  </a:schemeClr>
+                </a:solidFill>
+              </a:rPr>
+              <a:t>remote --verbose</a:t>
             </a:r>
             <a:endParaRPr lang="ru-RU" b="1" dirty="0" smtClean="0">
               <a:solidFill>
@@ -5631,8 +6201,65 @@
                   </a:schemeClr>
                 </a:solidFill>
               </a:rPr>
-              <a:t>&gt;</a:t>
-            </a:r>
+              <a:t>&gt;  </a:t>
+            </a:r>
+            <a:r>
+              <a:rPr lang="en-US" dirty="0" smtClean="0">
+                <a:solidFill>
+                  <a:schemeClr val="bg1">
+                    <a:lumMod val="50000"/>
+                  </a:schemeClr>
+                </a:solidFill>
+              </a:rPr>
+              <a:t>//</a:t>
+            </a:r>
+            <a:r>
+              <a:rPr lang="ru-RU" dirty="0" smtClean="0">
+                <a:solidFill>
+                  <a:schemeClr val="bg1">
+                    <a:lumMod val="50000"/>
+                  </a:schemeClr>
+                </a:solidFill>
+              </a:rPr>
+              <a:t>вместо </a:t>
+            </a:r>
+            <a:r>
+              <a:rPr lang="en-US" dirty="0" err="1" smtClean="0">
+                <a:solidFill>
+                  <a:schemeClr val="bg1">
+                    <a:lumMod val="50000"/>
+                  </a:schemeClr>
+                </a:solidFill>
+              </a:rPr>
+              <a:t>git</a:t>
+            </a:r>
+            <a:r>
+              <a:rPr lang="en-US" dirty="0" smtClean="0">
+                <a:solidFill>
+                  <a:schemeClr val="bg1">
+                    <a:lumMod val="50000"/>
+                  </a:schemeClr>
+                </a:solidFill>
+              </a:rPr>
+              <a:t> </a:t>
+            </a:r>
+            <a:r>
+              <a:rPr lang="en-US" dirty="0" err="1" smtClean="0">
+                <a:solidFill>
+                  <a:schemeClr val="bg1">
+                    <a:lumMod val="50000"/>
+                  </a:schemeClr>
+                </a:solidFill>
+              </a:rPr>
+              <a:t>init</a:t>
+            </a:r>
+            <a:endParaRPr lang="en-US" dirty="0" smtClean="0">
+              <a:solidFill>
+                <a:schemeClr val="bg1">
+                  <a:lumMod val="50000"/>
+                </a:schemeClr>
+              </a:solidFill>
+            </a:endParaRPr>
           </a:p>
           <a:p>
             <a:pPr marL="0" indent="0">
@@ -5925,7 +6552,7 @@
 </p:sld>
 </file>
 
-<file path=ppt/slides/slide16.xml><?xml version="1.0" encoding="utf-8"?>
+<file path=ppt/slides/slide18.xml><?xml version="1.0" encoding="utf-8"?>
 <p:sld xmlns:a="http://schemas.openxmlformats.org/drawingml/2006/main" xmlns:r="http://schemas.openxmlformats.org/officeDocument/2006/relationships" xmlns:p="http://schemas.openxmlformats.org/presentationml/2006/main">
   <p:cSld>
     <p:spTree>
@@ -5985,7 +6612,7 @@
 </p:sld>
 </file>
 
-<file path=ppt/slides/slide17.xml><?xml version="1.0" encoding="utf-8"?>
+<file path=ppt/slides/slide19.xml><?xml version="1.0" encoding="utf-8"?>
 <p:sld xmlns:a="http://schemas.openxmlformats.org/drawingml/2006/main" xmlns:r="http://schemas.openxmlformats.org/officeDocument/2006/relationships" xmlns:p="http://schemas.openxmlformats.org/presentationml/2006/main">
   <p:cSld>
     <p:spTree>
@@ -6254,7 +6881,67 @@
 </p:sld>
 </file>
 
-<file path=ppt/slides/slide18.xml><?xml version="1.0" encoding="utf-8"?>
+<file path=ppt/slides/slide2.xml><?xml version="1.0" encoding="utf-8"?>
+<p:sld xmlns:a="http://schemas.openxmlformats.org/drawingml/2006/main" xmlns:r="http://schemas.openxmlformats.org/officeDocument/2006/relationships" xmlns:p="http://schemas.openxmlformats.org/presentationml/2006/main">
+  <p:cSld>
+    <p:spTree>
+      <p:nvGrpSpPr>
+        <p:cNvPr id="1" name=""/>
+        <p:cNvGrpSpPr/>
+        <p:nvPr/>
+      </p:nvGrpSpPr>
+      <p:grpSpPr>
+        <a:xfrm>
+          <a:off x="0" y="0"/>
+          <a:ext cx="0" cy="0"/>
+          <a:chOff x="0" y="0"/>
+          <a:chExt cx="0" cy="0"/>
+        </a:xfrm>
+      </p:grpSpPr>
+      <p:sp>
+        <p:nvSpPr>
+          <p:cNvPr id="2" name="Заголовок 1"/>
+          <p:cNvSpPr>
+            <a:spLocks noGrp="1"/>
+          </p:cNvSpPr>
+          <p:nvPr>
+            <p:ph type="title"/>
+          </p:nvPr>
+        </p:nvSpPr>
+        <p:spPr/>
+        <p:txBody>
+          <a:bodyPr/>
+          <a:lstStyle/>
+          <a:p>
+            <a:r>
+              <a:rPr lang="ru-RU" dirty="0" smtClean="0"/>
+              <a:t>Установка</a:t>
+            </a:r>
+            <a:endParaRPr lang="ru-RU" dirty="0"/>
+          </a:p>
+        </p:txBody>
+      </p:sp>
+    </p:spTree>
+    <p:extLst>
+      <p:ext uri="{BB962C8B-B14F-4D97-AF65-F5344CB8AC3E}">
+        <p14:creationId xmlns:p14="http://schemas.microsoft.com/office/powerpoint/2010/main" val="1899918080"/>
+      </p:ext>
+    </p:extLst>
+  </p:cSld>
+  <p:clrMapOvr>
+    <a:masterClrMapping/>
+  </p:clrMapOvr>
+  <p:timing>
+    <p:tnLst>
+      <p:par>
+        <p:cTn id="1" dur="indefinite" restart="never" nodeType="tmRoot"/>
+      </p:par>
+    </p:tnLst>
+  </p:timing>
+</p:sld>
+</file>
+
+<file path=ppt/slides/slide20.xml><?xml version="1.0" encoding="utf-8"?>
 <p:sld xmlns:a="http://schemas.openxmlformats.org/drawingml/2006/main" xmlns:r="http://schemas.openxmlformats.org/officeDocument/2006/relationships" xmlns:p="http://schemas.openxmlformats.org/presentationml/2006/main">
   <p:cSld>
     <p:spTree>
@@ -6342,7 +7029,7 @@
 </p:sld>
 </file>
 
-<file path=ppt/slides/slide19.xml><?xml version="1.0" encoding="utf-8"?>
+<file path=ppt/slides/slide21.xml><?xml version="1.0" encoding="utf-8"?>
 <p:sld xmlns:a="http://schemas.openxmlformats.org/drawingml/2006/main" xmlns:r="http://schemas.openxmlformats.org/officeDocument/2006/relationships" xmlns:p="http://schemas.openxmlformats.org/presentationml/2006/main">
   <p:cSld>
     <p:spTree>
@@ -6513,66 +7200,6 @@
     <p:extLst>
       <p:ext uri="{BB962C8B-B14F-4D97-AF65-F5344CB8AC3E}">
         <p14:creationId xmlns:p14="http://schemas.microsoft.com/office/powerpoint/2010/main" val="2225737966"/>
-      </p:ext>
-    </p:extLst>
-  </p:cSld>
-  <p:clrMapOvr>
-    <a:masterClrMapping/>
-  </p:clrMapOvr>
-  <p:timing>
-    <p:tnLst>
-      <p:par>
-        <p:cTn id="1" dur="indefinite" restart="never" nodeType="tmRoot"/>
-      </p:par>
-    </p:tnLst>
-  </p:timing>
-</p:sld>
-</file>
-
-<file path=ppt/slides/slide2.xml><?xml version="1.0" encoding="utf-8"?>
-<p:sld xmlns:a="http://schemas.openxmlformats.org/drawingml/2006/main" xmlns:r="http://schemas.openxmlformats.org/officeDocument/2006/relationships" xmlns:p="http://schemas.openxmlformats.org/presentationml/2006/main">
-  <p:cSld>
-    <p:spTree>
-      <p:nvGrpSpPr>
-        <p:cNvPr id="1" name=""/>
-        <p:cNvGrpSpPr/>
-        <p:nvPr/>
-      </p:nvGrpSpPr>
-      <p:grpSpPr>
-        <a:xfrm>
-          <a:off x="0" y="0"/>
-          <a:ext cx="0" cy="0"/>
-          <a:chOff x="0" y="0"/>
-          <a:chExt cx="0" cy="0"/>
-        </a:xfrm>
-      </p:grpSpPr>
-      <p:sp>
-        <p:nvSpPr>
-          <p:cNvPr id="2" name="Заголовок 1"/>
-          <p:cNvSpPr>
-            <a:spLocks noGrp="1"/>
-          </p:cNvSpPr>
-          <p:nvPr>
-            <p:ph type="title"/>
-          </p:nvPr>
-        </p:nvSpPr>
-        <p:spPr/>
-        <p:txBody>
-          <a:bodyPr/>
-          <a:lstStyle/>
-          <a:p>
-            <a:r>
-              <a:rPr lang="ru-RU" dirty="0" smtClean="0"/>
-              <a:t>Установка</a:t>
-            </a:r>
-            <a:endParaRPr lang="ru-RU" dirty="0"/>
-          </a:p>
-        </p:txBody>
-      </p:sp>
-    </p:spTree>
-    <p:extLst>
-      <p:ext uri="{BB962C8B-B14F-4D97-AF65-F5344CB8AC3E}">
-        <p14:creationId xmlns:p14="http://schemas.microsoft.com/office/powerpoint/2010/main" val="1899918080"/>
       </p:ext>
     </p:extLst>
   </p:cSld>
@@ -7841,29 +8468,6 @@
           <a:chExt cx="0" cy="0"/>
         </a:xfrm>
       </p:grpSpPr>
-      <p:sp>
-        <p:nvSpPr>
-          <p:cNvPr id="2" name="Заголовок 1"/>
-          <p:cNvSpPr>
-            <a:spLocks noGrp="1"/>
-          </p:cNvSpPr>
-          <p:nvPr>
-            <p:ph type="title"/>
-          </p:nvPr>
-        </p:nvSpPr>
-        <p:spPr/>
-        <p:txBody>
-          <a:bodyPr/>
-          <a:lstStyle/>
-          <a:p>
-            <a:r>
-              <a:rPr lang="ru-RU" dirty="0" smtClean="0"/>
-              <a:t>Установка и настройка</a:t>
-            </a:r>
-            <a:endParaRPr lang="ru-RU" dirty="0"/>
-          </a:p>
-        </p:txBody>
-      </p:sp>
       <p:pic>
         <p:nvPicPr>
           <p:cNvPr id="1026" name="Picture 2"/>
@@ -8215,6 +8819,74 @@
               <a:t>http://github.com</a:t>
             </a:r>
             <a:endParaRPr lang="en-US" dirty="0"/>
+          </a:p>
+        </p:txBody>
+      </p:sp>
+      <p:pic>
+        <p:nvPicPr>
+          <p:cNvPr id="7" name="Picture 2" descr="http://imagineannie.files.wordpress.com/2010/02/monkey_typing_jonk1.jpg?w=367&amp;h=244"/>
+          <p:cNvPicPr>
+            <a:picLocks noChangeAspect="1" noChangeArrowheads="1"/>
+          </p:cNvPicPr>
+          <p:nvPr/>
+        </p:nvPicPr>
+        <p:blipFill>
+          <a:blip r:embed="rId3">
+            <a:extLst>
+              <a:ext uri="{28A0092B-C50C-407E-A947-70E740481C1C}">
+                <a14:useLocalDpi xmlns:a14="http://schemas.microsoft.com/office/drawing/2010/main" val="0"/>
+              </a:ext>
+            </a:extLst>
+          </a:blip>
+          <a:srcRect/>
+          <a:stretch>
+            <a:fillRect/>
+          </a:stretch>
+        </p:blipFill>
+        <p:spPr bwMode="auto">
+          <a:xfrm>
+            <a:off x="5633716" y="735334"/>
+            <a:ext cx="3495675" cy="2333626"/>
+          </a:xfrm>
+          <a:prstGeom prst="rect">
+            <a:avLst/>
+          </a:prstGeom>
+          <a:noFill/>
+          <a:extLst>
+            <a:ext uri="{909E8E84-426E-40DD-AFC4-6F175D3DCCD1}">
+              <a14:hiddenFill xmlns:a14="http://schemas.microsoft.com/office/drawing/2010/main">
+                <a:solidFill>
+                  <a:srgbClr val="FFFFFF"/>
+                </a:solidFill>
+              </a14:hiddenFill>
+            </a:ext>
+          </a:extLst>
+        </p:spPr>
+      </p:pic>
+      <p:sp>
+        <p:nvSpPr>
+          <p:cNvPr id="2" name="Заголовок 1"/>
+          <p:cNvSpPr>
+            <a:spLocks noGrp="1"/>
+          </p:cNvSpPr>
+          <p:nvPr>
+            <p:ph type="title"/>
+          </p:nvPr>
+        </p:nvSpPr>
+        <p:spPr/>
+        <p:txBody>
+          <a:bodyPr/>
+          <a:lstStyle/>
+          <a:p>
+            <a:r>
+              <a:rPr lang="ru-RU" dirty="0"/>
+              <a:t>Н</a:t>
+            </a:r>
+            <a:r>
+              <a:rPr lang="ru-RU" dirty="0" smtClean="0"/>
+              <a:t>астройка</a:t>
+            </a:r>
+            <a:endParaRPr lang="ru-RU" dirty="0"/>
           </a:p>
         </p:txBody>
       </p:sp>
@@ -9135,6 +9807,47 @@
           </a:p>
         </p:txBody>
       </p:sp>
+      <p:pic>
+        <p:nvPicPr>
+          <p:cNvPr id="4" name="Picture 2" descr="http://imagineannie.files.wordpress.com/2010/02/monkey_typing_jonk1.jpg?w=367&amp;h=244"/>
+          <p:cNvPicPr>
+            <a:picLocks noChangeAspect="1" noChangeArrowheads="1"/>
+          </p:cNvPicPr>
+          <p:nvPr/>
+        </p:nvPicPr>
+        <p:blipFill>
+          <a:blip r:embed="rId2">
+            <a:extLst>
+              <a:ext uri="{28A0092B-C50C-407E-A947-70E740481C1C}">
+                <a14:useLocalDpi xmlns:a14="http://schemas.microsoft.com/office/drawing/2010/main" val="0"/>
+              </a:ext>
+            </a:extLst>
+          </a:blip>
+          <a:srcRect/>
+          <a:stretch>
+            <a:fillRect/>
+          </a:stretch>
+        </p:blipFill>
+        <p:spPr bwMode="auto">
+          <a:xfrm>
+            <a:off x="5633717" y="4524374"/>
+            <a:ext cx="3495675" cy="2333626"/>
+          </a:xfrm>
+          <a:prstGeom prst="rect">
+            <a:avLst/>
+          </a:prstGeom>
+          <a:noFill/>
+          <a:extLst>
+            <a:ext uri="{909E8E84-426E-40DD-AFC4-6F175D3DCCD1}">
+              <a14:hiddenFill xmlns:a14="http://schemas.microsoft.com/office/drawing/2010/main">
+                <a:solidFill>
+                  <a:srgbClr val="FFFFFF"/>
+                </a:solidFill>
+              </a14:hiddenFill>
+            </a:ext>
+          </a:extLst>
+        </p:spPr>
+      </p:pic>
     </p:spTree>
     <p:extLst>
       <p:ext uri="{BB962C8B-B14F-4D97-AF65-F5344CB8AC3E}">

--- a/01-git/Git.pptx
+++ b/01-git/Git.pptx
@@ -212,7 +212,7 @@
           <a:p>
             <a:fld id="{16E5F246-0B7D-44DF-8C1B-EDFCA5DA626A}" type="datetimeFigureOut">
               <a:rPr lang="ru-RU" smtClean="0"/>
-              <a:t>21.11.2013</a:t>
+              <a:t>23.11.2013</a:t>
             </a:fld>
             <a:endParaRPr lang="ru-RU"/>
           </a:p>
@@ -829,7 +829,7 @@
           <a:p>
             <a:fld id="{ED7A5A9E-355E-4F5A-82F5-195339D13266}" type="datetimeFigureOut">
               <a:rPr lang="ru-RU" smtClean="0"/>
-              <a:t>21.11.2013</a:t>
+              <a:t>23.11.2013</a:t>
             </a:fld>
             <a:endParaRPr lang="ru-RU"/>
           </a:p>
@@ -999,7 +999,7 @@
           <a:p>
             <a:fld id="{ED7A5A9E-355E-4F5A-82F5-195339D13266}" type="datetimeFigureOut">
               <a:rPr lang="ru-RU" smtClean="0"/>
-              <a:t>21.11.2013</a:t>
+              <a:t>23.11.2013</a:t>
             </a:fld>
             <a:endParaRPr lang="ru-RU"/>
           </a:p>
@@ -1179,7 +1179,7 @@
           <a:p>
             <a:fld id="{ED7A5A9E-355E-4F5A-82F5-195339D13266}" type="datetimeFigureOut">
               <a:rPr lang="ru-RU" smtClean="0"/>
-              <a:t>21.11.2013</a:t>
+              <a:t>23.11.2013</a:t>
             </a:fld>
             <a:endParaRPr lang="ru-RU"/>
           </a:p>
@@ -1349,7 +1349,7 @@
           <a:p>
             <a:fld id="{ED7A5A9E-355E-4F5A-82F5-195339D13266}" type="datetimeFigureOut">
               <a:rPr lang="ru-RU" smtClean="0"/>
-              <a:t>21.11.2013</a:t>
+              <a:t>23.11.2013</a:t>
             </a:fld>
             <a:endParaRPr lang="ru-RU"/>
           </a:p>
@@ -1595,7 +1595,7 @@
           <a:p>
             <a:fld id="{ED7A5A9E-355E-4F5A-82F5-195339D13266}" type="datetimeFigureOut">
               <a:rPr lang="ru-RU" smtClean="0"/>
-              <a:t>21.11.2013</a:t>
+              <a:t>23.11.2013</a:t>
             </a:fld>
             <a:endParaRPr lang="ru-RU"/>
           </a:p>
@@ -1883,7 +1883,7 @@
           <a:p>
             <a:fld id="{ED7A5A9E-355E-4F5A-82F5-195339D13266}" type="datetimeFigureOut">
               <a:rPr lang="ru-RU" smtClean="0"/>
-              <a:t>21.11.2013</a:t>
+              <a:t>23.11.2013</a:t>
             </a:fld>
             <a:endParaRPr lang="ru-RU"/>
           </a:p>
@@ -2305,7 +2305,7 @@
           <a:p>
             <a:fld id="{ED7A5A9E-355E-4F5A-82F5-195339D13266}" type="datetimeFigureOut">
               <a:rPr lang="ru-RU" smtClean="0"/>
-              <a:t>21.11.2013</a:t>
+              <a:t>23.11.2013</a:t>
             </a:fld>
             <a:endParaRPr lang="ru-RU"/>
           </a:p>
@@ -2423,7 +2423,7 @@
           <a:p>
             <a:fld id="{ED7A5A9E-355E-4F5A-82F5-195339D13266}" type="datetimeFigureOut">
               <a:rPr lang="ru-RU" smtClean="0"/>
-              <a:t>21.11.2013</a:t>
+              <a:t>23.11.2013</a:t>
             </a:fld>
             <a:endParaRPr lang="ru-RU"/>
           </a:p>
@@ -2518,7 +2518,7 @@
           <a:p>
             <a:fld id="{ED7A5A9E-355E-4F5A-82F5-195339D13266}" type="datetimeFigureOut">
               <a:rPr lang="ru-RU" smtClean="0"/>
-              <a:t>21.11.2013</a:t>
+              <a:t>23.11.2013</a:t>
             </a:fld>
             <a:endParaRPr lang="ru-RU"/>
           </a:p>
@@ -2795,7 +2795,7 @@
           <a:p>
             <a:fld id="{ED7A5A9E-355E-4F5A-82F5-195339D13266}" type="datetimeFigureOut">
               <a:rPr lang="ru-RU" smtClean="0"/>
-              <a:t>21.11.2013</a:t>
+              <a:t>23.11.2013</a:t>
             </a:fld>
             <a:endParaRPr lang="ru-RU"/>
           </a:p>
@@ -3048,7 +3048,7 @@
           <a:p>
             <a:fld id="{ED7A5A9E-355E-4F5A-82F5-195339D13266}" type="datetimeFigureOut">
               <a:rPr lang="ru-RU" smtClean="0"/>
-              <a:t>21.11.2013</a:t>
+              <a:t>23.11.2013</a:t>
             </a:fld>
             <a:endParaRPr lang="ru-RU"/>
           </a:p>
@@ -3261,7 +3261,7 @@
           <a:p>
             <a:fld id="{ED7A5A9E-355E-4F5A-82F5-195339D13266}" type="datetimeFigureOut">
               <a:rPr lang="ru-RU" smtClean="0"/>
-              <a:t>21.11.2013</a:t>
+              <a:t>23.11.2013</a:t>
             </a:fld>
             <a:endParaRPr lang="ru-RU"/>
           </a:p>
@@ -6119,17 +6119,7 @@
                   </a:schemeClr>
                 </a:solidFill>
               </a:rPr>
-              <a:t> </a:t>
-            </a:r>
-            <a:r>
-              <a:rPr lang="en-US" b="1" dirty="0" smtClean="0">
-                <a:solidFill>
-                  <a:schemeClr val="accent2">
-                    <a:lumMod val="50000"/>
-                  </a:schemeClr>
-                </a:solidFill>
-              </a:rPr>
-              <a:t>remote --verbose</a:t>
+              <a:t> remote --verbose</a:t>
             </a:r>
             <a:endParaRPr lang="ru-RU" b="1" dirty="0" smtClean="0">
               <a:solidFill>
@@ -7185,8 +7175,24 @@
             </a:r>
             <a:r>
               <a:rPr lang="en-US" dirty="0"/>
-              <a:t>(video)</a:t>
-            </a:r>
+              <a:t>(video</a:t>
+            </a:r>
+            <a:r>
+              <a:rPr lang="en-US" dirty="0" smtClean="0"/>
+              <a:t>)</a:t>
+            </a:r>
+          </a:p>
+          <a:p>
+            <a:r>
+              <a:rPr lang="en-US" dirty="0">
+                <a:hlinkClick r:id="rId4"/>
+              </a:rPr>
+              <a:t>http://pcottle.github.io/learnGitBranching/</a:t>
+            </a:r>
+            <a:endParaRPr lang="ru-RU"/>
+          </a:p>
+          <a:p>
+            <a:endParaRPr lang="en-US" dirty="0"/>
           </a:p>
           <a:p>
             <a:pPr marL="0" indent="0">
@@ -7503,7 +7509,11 @@
             </a:pPr>
             <a:r>
               <a:rPr lang="en-US" dirty="0" smtClean="0"/>
-              <a:t>CSV — </a:t>
+              <a:t>CVS </a:t>
+            </a:r>
+            <a:r>
+              <a:rPr lang="en-US" dirty="0" smtClean="0"/>
+              <a:t>— </a:t>
             </a:r>
             <a:r>
               <a:rPr lang="ru-RU" dirty="0" smtClean="0"/>
@@ -7524,7 +7534,11 @@
             </a:r>
             <a:r>
               <a:rPr lang="en-US" dirty="0" smtClean="0"/>
-              <a:t>CSV done right!</a:t>
+              <a:t>CVS </a:t>
+            </a:r>
+            <a:r>
+              <a:rPr lang="en-US" dirty="0" smtClean="0"/>
+              <a:t>done right!</a:t>
             </a:r>
             <a:r>
               <a:rPr lang="ru-RU" dirty="0" smtClean="0"/>
@@ -7583,7 +7597,7 @@
             </a:r>
             <a:r>
               <a:rPr lang="en-US" dirty="0" smtClean="0"/>
-              <a:t>CSV </a:t>
+              <a:t>CVS </a:t>
             </a:r>
             <a:r>
               <a:rPr lang="ru-RU" dirty="0" smtClean="0"/>
